--- a/ppt 16-9/0260.复活良辰.pptx
+++ b/ppt 16-9/0260.复活良辰.pptx
@@ -5,7 +5,7 @@
     <p:sldMasterId id="2147483648" r:id="rId1"/>
   </p:sldMasterIdLst>
   <p:sldIdLst>
-    <p:sldId id="3110" r:id="rId2"/>
+    <p:sldId id="3112" r:id="rId2"/>
   </p:sldIdLst>
   <p:sldSz cx="12192000" cy="6858000"/>
   <p:notesSz cx="6858000" cy="9144000"/>
@@ -129,7 +129,7 @@
           <p:cNvPr id="2" name="标题 1">
             <a:extLst>
               <a:ext uri="{FF2B5EF4-FFF2-40B4-BE49-F238E27FC236}">
-                <a16:creationId xmlns:a16="http://schemas.microsoft.com/office/drawing/2014/main" id="{38DF4CE0-3579-C3CE-6C3B-96EA3DEB4904}"/>
+                <a16:creationId xmlns:a16="http://schemas.microsoft.com/office/drawing/2014/main" id="{7A40DF24-3AC6-4B33-F8BB-D3356CE3C7CA}"/>
               </a:ext>
             </a:extLst>
           </p:cNvPr>
@@ -166,7 +166,7 @@
           <p:cNvPr id="3" name="副标题 2">
             <a:extLst>
               <a:ext uri="{FF2B5EF4-FFF2-40B4-BE49-F238E27FC236}">
-                <a16:creationId xmlns:a16="http://schemas.microsoft.com/office/drawing/2014/main" id="{02683153-B87A-40EA-C828-A7E32AF41FA1}"/>
+                <a16:creationId xmlns:a16="http://schemas.microsoft.com/office/drawing/2014/main" id="{36C3D8F0-5A47-4738-63D2-706A5DD4D754}"/>
               </a:ext>
             </a:extLst>
           </p:cNvPr>
@@ -236,7 +236,7 @@
           <p:cNvPr id="4" name="日期占位符 3">
             <a:extLst>
               <a:ext uri="{FF2B5EF4-FFF2-40B4-BE49-F238E27FC236}">
-                <a16:creationId xmlns:a16="http://schemas.microsoft.com/office/drawing/2014/main" id="{B4F1739E-D6EE-FA17-00F0-88AAECA7CE82}"/>
+                <a16:creationId xmlns:a16="http://schemas.microsoft.com/office/drawing/2014/main" id="{5F8F49D1-E70D-0400-6EBB-2279F0C9D7A1}"/>
               </a:ext>
             </a:extLst>
           </p:cNvPr>
@@ -252,7 +252,7 @@
           <a:bodyPr/>
           <a:lstStyle/>
           <a:p>
-            <a:fld id="{FB81E86A-4B88-4F4A-AC20-CE9FFE70E8EF}" type="datetimeFigureOut">
+            <a:fld id="{FFB90FF1-EF0C-4E1A-9C94-E356EF8F5D9D}" type="datetimeFigureOut">
               <a:rPr lang="zh-CN" altLang="en-US" smtClean="0"/>
               <a:t>2024/3/10</a:t>
             </a:fld>
@@ -265,7 +265,7 @@
           <p:cNvPr id="5" name="页脚占位符 4">
             <a:extLst>
               <a:ext uri="{FF2B5EF4-FFF2-40B4-BE49-F238E27FC236}">
-                <a16:creationId xmlns:a16="http://schemas.microsoft.com/office/drawing/2014/main" id="{A9980C19-6677-5A96-303B-F92D89307B00}"/>
+                <a16:creationId xmlns:a16="http://schemas.microsoft.com/office/drawing/2014/main" id="{CD4E367F-5899-1468-FCDE-CE804F75F162}"/>
               </a:ext>
             </a:extLst>
           </p:cNvPr>
@@ -290,7 +290,7 @@
           <p:cNvPr id="6" name="灯片编号占位符 5">
             <a:extLst>
               <a:ext uri="{FF2B5EF4-FFF2-40B4-BE49-F238E27FC236}">
-                <a16:creationId xmlns:a16="http://schemas.microsoft.com/office/drawing/2014/main" id="{C26C47B9-3593-91D8-6FE3-7D9E81D8F0ED}"/>
+                <a16:creationId xmlns:a16="http://schemas.microsoft.com/office/drawing/2014/main" id="{837791F2-725E-BF29-6996-2CD02635715E}"/>
               </a:ext>
             </a:extLst>
           </p:cNvPr>
@@ -306,7 +306,7 @@
           <a:bodyPr/>
           <a:lstStyle/>
           <a:p>
-            <a:fld id="{49DFE1AB-B61C-4953-A478-2889C146B5F3}" type="slidenum">
+            <a:fld id="{21D8F65F-3455-4BC8-8C43-DAA58DC40663}" type="slidenum">
               <a:rPr lang="zh-CN" altLang="en-US" smtClean="0"/>
               <a:t>‹#›</a:t>
             </a:fld>
@@ -317,7 +317,7 @@
     </p:spTree>
     <p:extLst>
       <p:ext uri="{BB962C8B-B14F-4D97-AF65-F5344CB8AC3E}">
-        <p14:creationId xmlns:p14="http://schemas.microsoft.com/office/powerpoint/2010/main" val="604363545"/>
+        <p14:creationId xmlns:p14="http://schemas.microsoft.com/office/powerpoint/2010/main" val="2947017047"/>
       </p:ext>
     </p:extLst>
   </p:cSld>
@@ -349,7 +349,7 @@
           <p:cNvPr id="2" name="标题 1">
             <a:extLst>
               <a:ext uri="{FF2B5EF4-FFF2-40B4-BE49-F238E27FC236}">
-                <a16:creationId xmlns:a16="http://schemas.microsoft.com/office/drawing/2014/main" id="{BE5714A0-8515-30D3-FA12-95F422E0692D}"/>
+                <a16:creationId xmlns:a16="http://schemas.microsoft.com/office/drawing/2014/main" id="{68DA8AC7-EA9B-7687-CE01-E847EC30AB4B}"/>
               </a:ext>
             </a:extLst>
           </p:cNvPr>
@@ -377,7 +377,7 @@
           <p:cNvPr id="3" name="竖排文字占位符 2">
             <a:extLst>
               <a:ext uri="{FF2B5EF4-FFF2-40B4-BE49-F238E27FC236}">
-                <a16:creationId xmlns:a16="http://schemas.microsoft.com/office/drawing/2014/main" id="{12863FF9-9C6D-FCDE-A62F-20B39331EA4C}"/>
+                <a16:creationId xmlns:a16="http://schemas.microsoft.com/office/drawing/2014/main" id="{EB0C0400-90AD-37E5-AA11-9D1ADB0D38AE}"/>
               </a:ext>
             </a:extLst>
           </p:cNvPr>
@@ -434,7 +434,7 @@
           <p:cNvPr id="4" name="日期占位符 3">
             <a:extLst>
               <a:ext uri="{FF2B5EF4-FFF2-40B4-BE49-F238E27FC236}">
-                <a16:creationId xmlns:a16="http://schemas.microsoft.com/office/drawing/2014/main" id="{34D91234-D3B4-0841-0FAC-54F307CFED85}"/>
+                <a16:creationId xmlns:a16="http://schemas.microsoft.com/office/drawing/2014/main" id="{40C122A6-56DD-72BB-F7E2-B5A11B3476C0}"/>
               </a:ext>
             </a:extLst>
           </p:cNvPr>
@@ -450,7 +450,7 @@
           <a:bodyPr/>
           <a:lstStyle/>
           <a:p>
-            <a:fld id="{FB81E86A-4B88-4F4A-AC20-CE9FFE70E8EF}" type="datetimeFigureOut">
+            <a:fld id="{FFB90FF1-EF0C-4E1A-9C94-E356EF8F5D9D}" type="datetimeFigureOut">
               <a:rPr lang="zh-CN" altLang="en-US" smtClean="0"/>
               <a:t>2024/3/10</a:t>
             </a:fld>
@@ -463,7 +463,7 @@
           <p:cNvPr id="5" name="页脚占位符 4">
             <a:extLst>
               <a:ext uri="{FF2B5EF4-FFF2-40B4-BE49-F238E27FC236}">
-                <a16:creationId xmlns:a16="http://schemas.microsoft.com/office/drawing/2014/main" id="{8321A7B3-06B5-6B00-B060-E4A1F857EFC0}"/>
+                <a16:creationId xmlns:a16="http://schemas.microsoft.com/office/drawing/2014/main" id="{B4000200-2295-1282-AF15-3ED65C6A99E7}"/>
               </a:ext>
             </a:extLst>
           </p:cNvPr>
@@ -488,7 +488,7 @@
           <p:cNvPr id="6" name="灯片编号占位符 5">
             <a:extLst>
               <a:ext uri="{FF2B5EF4-FFF2-40B4-BE49-F238E27FC236}">
-                <a16:creationId xmlns:a16="http://schemas.microsoft.com/office/drawing/2014/main" id="{6AE0C759-A844-4194-3154-FC885ED12C5D}"/>
+                <a16:creationId xmlns:a16="http://schemas.microsoft.com/office/drawing/2014/main" id="{3B54E7D4-9975-98F1-9E00-FF830936CD19}"/>
               </a:ext>
             </a:extLst>
           </p:cNvPr>
@@ -504,7 +504,7 @@
           <a:bodyPr/>
           <a:lstStyle/>
           <a:p>
-            <a:fld id="{49DFE1AB-B61C-4953-A478-2889C146B5F3}" type="slidenum">
+            <a:fld id="{21D8F65F-3455-4BC8-8C43-DAA58DC40663}" type="slidenum">
               <a:rPr lang="zh-CN" altLang="en-US" smtClean="0"/>
               <a:t>‹#›</a:t>
             </a:fld>
@@ -515,7 +515,7 @@
     </p:spTree>
     <p:extLst>
       <p:ext uri="{BB962C8B-B14F-4D97-AF65-F5344CB8AC3E}">
-        <p14:creationId xmlns:p14="http://schemas.microsoft.com/office/powerpoint/2010/main" val="739750372"/>
+        <p14:creationId xmlns:p14="http://schemas.microsoft.com/office/powerpoint/2010/main" val="3424929954"/>
       </p:ext>
     </p:extLst>
   </p:cSld>
@@ -547,7 +547,7 @@
           <p:cNvPr id="2" name="竖排标题 1">
             <a:extLst>
               <a:ext uri="{FF2B5EF4-FFF2-40B4-BE49-F238E27FC236}">
-                <a16:creationId xmlns:a16="http://schemas.microsoft.com/office/drawing/2014/main" id="{AF3147CA-54FB-ABC0-BF13-34A51D778077}"/>
+                <a16:creationId xmlns:a16="http://schemas.microsoft.com/office/drawing/2014/main" id="{D8F38C1D-0BE0-FE22-8671-4BDDF3B3E369}"/>
               </a:ext>
             </a:extLst>
           </p:cNvPr>
@@ -580,7 +580,7 @@
           <p:cNvPr id="3" name="竖排文字占位符 2">
             <a:extLst>
               <a:ext uri="{FF2B5EF4-FFF2-40B4-BE49-F238E27FC236}">
-                <a16:creationId xmlns:a16="http://schemas.microsoft.com/office/drawing/2014/main" id="{1B503E71-0476-9E6D-1B1F-4AD87B42764A}"/>
+                <a16:creationId xmlns:a16="http://schemas.microsoft.com/office/drawing/2014/main" id="{48139FC7-754C-2042-8CD6-76A968E7BEF9}"/>
               </a:ext>
             </a:extLst>
           </p:cNvPr>
@@ -642,7 +642,7 @@
           <p:cNvPr id="4" name="日期占位符 3">
             <a:extLst>
               <a:ext uri="{FF2B5EF4-FFF2-40B4-BE49-F238E27FC236}">
-                <a16:creationId xmlns:a16="http://schemas.microsoft.com/office/drawing/2014/main" id="{901D24AF-46CF-CEE7-0CDA-D4A8389D4B51}"/>
+                <a16:creationId xmlns:a16="http://schemas.microsoft.com/office/drawing/2014/main" id="{D98083B5-36C4-D2AB-A577-B437DDED2E2F}"/>
               </a:ext>
             </a:extLst>
           </p:cNvPr>
@@ -658,7 +658,7 @@
           <a:bodyPr/>
           <a:lstStyle/>
           <a:p>
-            <a:fld id="{FB81E86A-4B88-4F4A-AC20-CE9FFE70E8EF}" type="datetimeFigureOut">
+            <a:fld id="{FFB90FF1-EF0C-4E1A-9C94-E356EF8F5D9D}" type="datetimeFigureOut">
               <a:rPr lang="zh-CN" altLang="en-US" smtClean="0"/>
               <a:t>2024/3/10</a:t>
             </a:fld>
@@ -671,7 +671,7 @@
           <p:cNvPr id="5" name="页脚占位符 4">
             <a:extLst>
               <a:ext uri="{FF2B5EF4-FFF2-40B4-BE49-F238E27FC236}">
-                <a16:creationId xmlns:a16="http://schemas.microsoft.com/office/drawing/2014/main" id="{DB8CFCD1-7A78-6DFD-1CF8-19BA8D8F0CDF}"/>
+                <a16:creationId xmlns:a16="http://schemas.microsoft.com/office/drawing/2014/main" id="{A6314516-AC9B-9E53-DF84-24C1A6480AD6}"/>
               </a:ext>
             </a:extLst>
           </p:cNvPr>
@@ -696,7 +696,7 @@
           <p:cNvPr id="6" name="灯片编号占位符 5">
             <a:extLst>
               <a:ext uri="{FF2B5EF4-FFF2-40B4-BE49-F238E27FC236}">
-                <a16:creationId xmlns:a16="http://schemas.microsoft.com/office/drawing/2014/main" id="{2ADE9FB3-D7EC-AF84-2058-A2D7AD3C4F96}"/>
+                <a16:creationId xmlns:a16="http://schemas.microsoft.com/office/drawing/2014/main" id="{995019EB-F75A-70BD-41AD-CC5CE5465255}"/>
               </a:ext>
             </a:extLst>
           </p:cNvPr>
@@ -712,7 +712,7 @@
           <a:bodyPr/>
           <a:lstStyle/>
           <a:p>
-            <a:fld id="{49DFE1AB-B61C-4953-A478-2889C146B5F3}" type="slidenum">
+            <a:fld id="{21D8F65F-3455-4BC8-8C43-DAA58DC40663}" type="slidenum">
               <a:rPr lang="zh-CN" altLang="en-US" smtClean="0"/>
               <a:t>‹#›</a:t>
             </a:fld>
@@ -723,7 +723,7 @@
     </p:spTree>
     <p:extLst>
       <p:ext uri="{BB962C8B-B14F-4D97-AF65-F5344CB8AC3E}">
-        <p14:creationId xmlns:p14="http://schemas.microsoft.com/office/powerpoint/2010/main" val="3669370877"/>
+        <p14:creationId xmlns:p14="http://schemas.microsoft.com/office/powerpoint/2010/main" val="630457759"/>
       </p:ext>
     </p:extLst>
   </p:cSld>
@@ -755,7 +755,7 @@
           <p:cNvPr id="2" name="标题 1">
             <a:extLst>
               <a:ext uri="{FF2B5EF4-FFF2-40B4-BE49-F238E27FC236}">
-                <a16:creationId xmlns:a16="http://schemas.microsoft.com/office/drawing/2014/main" id="{FC9748B0-08A8-C704-1D0A-C663B9E4E09E}"/>
+                <a16:creationId xmlns:a16="http://schemas.microsoft.com/office/drawing/2014/main" id="{A19B5325-288E-3313-F940-9A8EFF333A62}"/>
               </a:ext>
             </a:extLst>
           </p:cNvPr>
@@ -783,7 +783,7 @@
           <p:cNvPr id="3" name="内容占位符 2">
             <a:extLst>
               <a:ext uri="{FF2B5EF4-FFF2-40B4-BE49-F238E27FC236}">
-                <a16:creationId xmlns:a16="http://schemas.microsoft.com/office/drawing/2014/main" id="{7DE906A9-D1CF-24D6-A476-7DE65209643A}"/>
+                <a16:creationId xmlns:a16="http://schemas.microsoft.com/office/drawing/2014/main" id="{9ADEF37A-9435-32D7-205E-6113DF572DC9}"/>
               </a:ext>
             </a:extLst>
           </p:cNvPr>
@@ -840,7 +840,7 @@
           <p:cNvPr id="4" name="日期占位符 3">
             <a:extLst>
               <a:ext uri="{FF2B5EF4-FFF2-40B4-BE49-F238E27FC236}">
-                <a16:creationId xmlns:a16="http://schemas.microsoft.com/office/drawing/2014/main" id="{64C1F3C5-FA85-176E-1E6E-880AB68F9C64}"/>
+                <a16:creationId xmlns:a16="http://schemas.microsoft.com/office/drawing/2014/main" id="{F6B34DD0-9F45-67A5-8685-8110D96A979F}"/>
               </a:ext>
             </a:extLst>
           </p:cNvPr>
@@ -856,7 +856,7 @@
           <a:bodyPr/>
           <a:lstStyle/>
           <a:p>
-            <a:fld id="{FB81E86A-4B88-4F4A-AC20-CE9FFE70E8EF}" type="datetimeFigureOut">
+            <a:fld id="{FFB90FF1-EF0C-4E1A-9C94-E356EF8F5D9D}" type="datetimeFigureOut">
               <a:rPr lang="zh-CN" altLang="en-US" smtClean="0"/>
               <a:t>2024/3/10</a:t>
             </a:fld>
@@ -869,7 +869,7 @@
           <p:cNvPr id="5" name="页脚占位符 4">
             <a:extLst>
               <a:ext uri="{FF2B5EF4-FFF2-40B4-BE49-F238E27FC236}">
-                <a16:creationId xmlns:a16="http://schemas.microsoft.com/office/drawing/2014/main" id="{A7C3EDBA-8E12-F11E-843A-49463B9EC1D0}"/>
+                <a16:creationId xmlns:a16="http://schemas.microsoft.com/office/drawing/2014/main" id="{1D8A90F0-4077-4677-1E99-3EAD620B85FD}"/>
               </a:ext>
             </a:extLst>
           </p:cNvPr>
@@ -894,7 +894,7 @@
           <p:cNvPr id="6" name="灯片编号占位符 5">
             <a:extLst>
               <a:ext uri="{FF2B5EF4-FFF2-40B4-BE49-F238E27FC236}">
-                <a16:creationId xmlns:a16="http://schemas.microsoft.com/office/drawing/2014/main" id="{05ABCACD-0767-27C7-890C-C86D295014F3}"/>
+                <a16:creationId xmlns:a16="http://schemas.microsoft.com/office/drawing/2014/main" id="{F60CE6C6-38CD-3807-2B27-EB6409CFEC5E}"/>
               </a:ext>
             </a:extLst>
           </p:cNvPr>
@@ -910,7 +910,7 @@
           <a:bodyPr/>
           <a:lstStyle/>
           <a:p>
-            <a:fld id="{49DFE1AB-B61C-4953-A478-2889C146B5F3}" type="slidenum">
+            <a:fld id="{21D8F65F-3455-4BC8-8C43-DAA58DC40663}" type="slidenum">
               <a:rPr lang="zh-CN" altLang="en-US" smtClean="0"/>
               <a:t>‹#›</a:t>
             </a:fld>
@@ -921,7 +921,7 @@
     </p:spTree>
     <p:extLst>
       <p:ext uri="{BB962C8B-B14F-4D97-AF65-F5344CB8AC3E}">
-        <p14:creationId xmlns:p14="http://schemas.microsoft.com/office/powerpoint/2010/main" val="2621055366"/>
+        <p14:creationId xmlns:p14="http://schemas.microsoft.com/office/powerpoint/2010/main" val="863159772"/>
       </p:ext>
     </p:extLst>
   </p:cSld>
@@ -953,7 +953,7 @@
           <p:cNvPr id="2" name="标题 1">
             <a:extLst>
               <a:ext uri="{FF2B5EF4-FFF2-40B4-BE49-F238E27FC236}">
-                <a16:creationId xmlns:a16="http://schemas.microsoft.com/office/drawing/2014/main" id="{99489719-FF42-BA13-0986-1FA6E53DB860}"/>
+                <a16:creationId xmlns:a16="http://schemas.microsoft.com/office/drawing/2014/main" id="{D1D019B2-145F-443E-6571-7012B460F39D}"/>
               </a:ext>
             </a:extLst>
           </p:cNvPr>
@@ -990,7 +990,7 @@
           <p:cNvPr id="3" name="文本占位符 2">
             <a:extLst>
               <a:ext uri="{FF2B5EF4-FFF2-40B4-BE49-F238E27FC236}">
-                <a16:creationId xmlns:a16="http://schemas.microsoft.com/office/drawing/2014/main" id="{82E64783-FE47-A357-6860-0404B63D139B}"/>
+                <a16:creationId xmlns:a16="http://schemas.microsoft.com/office/drawing/2014/main" id="{B188E305-E189-C42B-F6F6-0D4D5BAA3E89}"/>
               </a:ext>
             </a:extLst>
           </p:cNvPr>
@@ -1115,7 +1115,7 @@
           <p:cNvPr id="4" name="日期占位符 3">
             <a:extLst>
               <a:ext uri="{FF2B5EF4-FFF2-40B4-BE49-F238E27FC236}">
-                <a16:creationId xmlns:a16="http://schemas.microsoft.com/office/drawing/2014/main" id="{5C2A7D79-A5F7-BDE6-91CA-94C42BB80081}"/>
+                <a16:creationId xmlns:a16="http://schemas.microsoft.com/office/drawing/2014/main" id="{A7DE889B-B806-8613-9B7C-BA536854EDC3}"/>
               </a:ext>
             </a:extLst>
           </p:cNvPr>
@@ -1131,7 +1131,7 @@
           <a:bodyPr/>
           <a:lstStyle/>
           <a:p>
-            <a:fld id="{FB81E86A-4B88-4F4A-AC20-CE9FFE70E8EF}" type="datetimeFigureOut">
+            <a:fld id="{FFB90FF1-EF0C-4E1A-9C94-E356EF8F5D9D}" type="datetimeFigureOut">
               <a:rPr lang="zh-CN" altLang="en-US" smtClean="0"/>
               <a:t>2024/3/10</a:t>
             </a:fld>
@@ -1144,7 +1144,7 @@
           <p:cNvPr id="5" name="页脚占位符 4">
             <a:extLst>
               <a:ext uri="{FF2B5EF4-FFF2-40B4-BE49-F238E27FC236}">
-                <a16:creationId xmlns:a16="http://schemas.microsoft.com/office/drawing/2014/main" id="{781DBDC8-FB66-23D3-E79F-19C086D94503}"/>
+                <a16:creationId xmlns:a16="http://schemas.microsoft.com/office/drawing/2014/main" id="{4FDB3CF9-334C-065B-9758-8675AE915203}"/>
               </a:ext>
             </a:extLst>
           </p:cNvPr>
@@ -1169,7 +1169,7 @@
           <p:cNvPr id="6" name="灯片编号占位符 5">
             <a:extLst>
               <a:ext uri="{FF2B5EF4-FFF2-40B4-BE49-F238E27FC236}">
-                <a16:creationId xmlns:a16="http://schemas.microsoft.com/office/drawing/2014/main" id="{EFA7D3BB-E098-9037-7ECC-EB902D23BDAF}"/>
+                <a16:creationId xmlns:a16="http://schemas.microsoft.com/office/drawing/2014/main" id="{7566C143-5358-06B2-BF85-7DDA90CC0BEE}"/>
               </a:ext>
             </a:extLst>
           </p:cNvPr>
@@ -1185,7 +1185,7 @@
           <a:bodyPr/>
           <a:lstStyle/>
           <a:p>
-            <a:fld id="{49DFE1AB-B61C-4953-A478-2889C146B5F3}" type="slidenum">
+            <a:fld id="{21D8F65F-3455-4BC8-8C43-DAA58DC40663}" type="slidenum">
               <a:rPr lang="zh-CN" altLang="en-US" smtClean="0"/>
               <a:t>‹#›</a:t>
             </a:fld>
@@ -1196,7 +1196,7 @@
     </p:spTree>
     <p:extLst>
       <p:ext uri="{BB962C8B-B14F-4D97-AF65-F5344CB8AC3E}">
-        <p14:creationId xmlns:p14="http://schemas.microsoft.com/office/powerpoint/2010/main" val="1570863375"/>
+        <p14:creationId xmlns:p14="http://schemas.microsoft.com/office/powerpoint/2010/main" val="73453546"/>
       </p:ext>
     </p:extLst>
   </p:cSld>
@@ -1228,7 +1228,7 @@
           <p:cNvPr id="2" name="标题 1">
             <a:extLst>
               <a:ext uri="{FF2B5EF4-FFF2-40B4-BE49-F238E27FC236}">
-                <a16:creationId xmlns:a16="http://schemas.microsoft.com/office/drawing/2014/main" id="{A7F82AD0-86F1-EFCC-A765-77B4CE26C003}"/>
+                <a16:creationId xmlns:a16="http://schemas.microsoft.com/office/drawing/2014/main" id="{C423ED46-FC72-26B8-C658-180631C27180}"/>
               </a:ext>
             </a:extLst>
           </p:cNvPr>
@@ -1256,7 +1256,7 @@
           <p:cNvPr id="3" name="内容占位符 2">
             <a:extLst>
               <a:ext uri="{FF2B5EF4-FFF2-40B4-BE49-F238E27FC236}">
-                <a16:creationId xmlns:a16="http://schemas.microsoft.com/office/drawing/2014/main" id="{E92D3622-37FD-722B-F4AB-812FCFD298B9}"/>
+                <a16:creationId xmlns:a16="http://schemas.microsoft.com/office/drawing/2014/main" id="{BA253DB8-2EC9-CCE8-F54C-420AB87CA8E8}"/>
               </a:ext>
             </a:extLst>
           </p:cNvPr>
@@ -1318,7 +1318,7 @@
           <p:cNvPr id="4" name="内容占位符 3">
             <a:extLst>
               <a:ext uri="{FF2B5EF4-FFF2-40B4-BE49-F238E27FC236}">
-                <a16:creationId xmlns:a16="http://schemas.microsoft.com/office/drawing/2014/main" id="{178FE94F-8AB6-7EA1-E630-FADD6ECE3302}"/>
+                <a16:creationId xmlns:a16="http://schemas.microsoft.com/office/drawing/2014/main" id="{B1B9C270-7660-D1A4-E6C0-3880E989DB8A}"/>
               </a:ext>
             </a:extLst>
           </p:cNvPr>
@@ -1380,7 +1380,7 @@
           <p:cNvPr id="5" name="日期占位符 4">
             <a:extLst>
               <a:ext uri="{FF2B5EF4-FFF2-40B4-BE49-F238E27FC236}">
-                <a16:creationId xmlns:a16="http://schemas.microsoft.com/office/drawing/2014/main" id="{5A485E5D-4429-7598-896B-30ED5B7B689A}"/>
+                <a16:creationId xmlns:a16="http://schemas.microsoft.com/office/drawing/2014/main" id="{7428DE44-1391-1537-351A-5B9351E08168}"/>
               </a:ext>
             </a:extLst>
           </p:cNvPr>
@@ -1396,7 +1396,7 @@
           <a:bodyPr/>
           <a:lstStyle/>
           <a:p>
-            <a:fld id="{FB81E86A-4B88-4F4A-AC20-CE9FFE70E8EF}" type="datetimeFigureOut">
+            <a:fld id="{FFB90FF1-EF0C-4E1A-9C94-E356EF8F5D9D}" type="datetimeFigureOut">
               <a:rPr lang="zh-CN" altLang="en-US" smtClean="0"/>
               <a:t>2024/3/10</a:t>
             </a:fld>
@@ -1409,7 +1409,7 @@
           <p:cNvPr id="6" name="页脚占位符 5">
             <a:extLst>
               <a:ext uri="{FF2B5EF4-FFF2-40B4-BE49-F238E27FC236}">
-                <a16:creationId xmlns:a16="http://schemas.microsoft.com/office/drawing/2014/main" id="{7537841F-FDBF-6E8E-1E7A-517DB16AB48E}"/>
+                <a16:creationId xmlns:a16="http://schemas.microsoft.com/office/drawing/2014/main" id="{FC48B49B-8F9E-B842-9553-FF2E92910CFF}"/>
               </a:ext>
             </a:extLst>
           </p:cNvPr>
@@ -1434,7 +1434,7 @@
           <p:cNvPr id="7" name="灯片编号占位符 6">
             <a:extLst>
               <a:ext uri="{FF2B5EF4-FFF2-40B4-BE49-F238E27FC236}">
-                <a16:creationId xmlns:a16="http://schemas.microsoft.com/office/drawing/2014/main" id="{B0FCDC39-3654-F8F0-73EA-7DBE8B68321F}"/>
+                <a16:creationId xmlns:a16="http://schemas.microsoft.com/office/drawing/2014/main" id="{B643D10F-DA88-926D-703D-C5DF260DB9E9}"/>
               </a:ext>
             </a:extLst>
           </p:cNvPr>
@@ -1450,7 +1450,7 @@
           <a:bodyPr/>
           <a:lstStyle/>
           <a:p>
-            <a:fld id="{49DFE1AB-B61C-4953-A478-2889C146B5F3}" type="slidenum">
+            <a:fld id="{21D8F65F-3455-4BC8-8C43-DAA58DC40663}" type="slidenum">
               <a:rPr lang="zh-CN" altLang="en-US" smtClean="0"/>
               <a:t>‹#›</a:t>
             </a:fld>
@@ -1461,7 +1461,7 @@
     </p:spTree>
     <p:extLst>
       <p:ext uri="{BB962C8B-B14F-4D97-AF65-F5344CB8AC3E}">
-        <p14:creationId xmlns:p14="http://schemas.microsoft.com/office/powerpoint/2010/main" val="2901566396"/>
+        <p14:creationId xmlns:p14="http://schemas.microsoft.com/office/powerpoint/2010/main" val="3271168337"/>
       </p:ext>
     </p:extLst>
   </p:cSld>
@@ -1493,7 +1493,7 @@
           <p:cNvPr id="2" name="标题 1">
             <a:extLst>
               <a:ext uri="{FF2B5EF4-FFF2-40B4-BE49-F238E27FC236}">
-                <a16:creationId xmlns:a16="http://schemas.microsoft.com/office/drawing/2014/main" id="{A7DB1DE5-D4EC-43E4-03B5-861AC0F3628A}"/>
+                <a16:creationId xmlns:a16="http://schemas.microsoft.com/office/drawing/2014/main" id="{D2CC82A1-B7FE-409D-0E3B-1220DE1A26B6}"/>
               </a:ext>
             </a:extLst>
           </p:cNvPr>
@@ -1526,7 +1526,7 @@
           <p:cNvPr id="3" name="文本占位符 2">
             <a:extLst>
               <a:ext uri="{FF2B5EF4-FFF2-40B4-BE49-F238E27FC236}">
-                <a16:creationId xmlns:a16="http://schemas.microsoft.com/office/drawing/2014/main" id="{E42A6B24-9F23-DEA0-9895-2A1391F80D4B}"/>
+                <a16:creationId xmlns:a16="http://schemas.microsoft.com/office/drawing/2014/main" id="{A67CE632-BCB1-0B68-5E32-C33EB048E768}"/>
               </a:ext>
             </a:extLst>
           </p:cNvPr>
@@ -1597,7 +1597,7 @@
           <p:cNvPr id="4" name="内容占位符 3">
             <a:extLst>
               <a:ext uri="{FF2B5EF4-FFF2-40B4-BE49-F238E27FC236}">
-                <a16:creationId xmlns:a16="http://schemas.microsoft.com/office/drawing/2014/main" id="{8AB657E4-269B-B289-3806-78FE4C9664B4}"/>
+                <a16:creationId xmlns:a16="http://schemas.microsoft.com/office/drawing/2014/main" id="{463E87A7-9A22-13DD-FB16-0A3DA5C9FACD}"/>
               </a:ext>
             </a:extLst>
           </p:cNvPr>
@@ -1659,7 +1659,7 @@
           <p:cNvPr id="5" name="文本占位符 4">
             <a:extLst>
               <a:ext uri="{FF2B5EF4-FFF2-40B4-BE49-F238E27FC236}">
-                <a16:creationId xmlns:a16="http://schemas.microsoft.com/office/drawing/2014/main" id="{EA0B57DF-8AB2-D9EE-057B-1FD2FBDB820F}"/>
+                <a16:creationId xmlns:a16="http://schemas.microsoft.com/office/drawing/2014/main" id="{F0E46224-B319-D750-540C-C5EFC6EAB5C6}"/>
               </a:ext>
             </a:extLst>
           </p:cNvPr>
@@ -1730,7 +1730,7 @@
           <p:cNvPr id="6" name="内容占位符 5">
             <a:extLst>
               <a:ext uri="{FF2B5EF4-FFF2-40B4-BE49-F238E27FC236}">
-                <a16:creationId xmlns:a16="http://schemas.microsoft.com/office/drawing/2014/main" id="{39CD05A5-B45B-F641-C4D7-84B07C43F9DA}"/>
+                <a16:creationId xmlns:a16="http://schemas.microsoft.com/office/drawing/2014/main" id="{CDDC8B71-7B6E-CBC3-8E0A-AE6B4621AE53}"/>
               </a:ext>
             </a:extLst>
           </p:cNvPr>
@@ -1792,7 +1792,7 @@
           <p:cNvPr id="7" name="日期占位符 6">
             <a:extLst>
               <a:ext uri="{FF2B5EF4-FFF2-40B4-BE49-F238E27FC236}">
-                <a16:creationId xmlns:a16="http://schemas.microsoft.com/office/drawing/2014/main" id="{622545F2-7069-067F-C933-AC48049567F6}"/>
+                <a16:creationId xmlns:a16="http://schemas.microsoft.com/office/drawing/2014/main" id="{CD79E93E-E88E-9346-E78E-107AE6AFB300}"/>
               </a:ext>
             </a:extLst>
           </p:cNvPr>
@@ -1808,7 +1808,7 @@
           <a:bodyPr/>
           <a:lstStyle/>
           <a:p>
-            <a:fld id="{FB81E86A-4B88-4F4A-AC20-CE9FFE70E8EF}" type="datetimeFigureOut">
+            <a:fld id="{FFB90FF1-EF0C-4E1A-9C94-E356EF8F5D9D}" type="datetimeFigureOut">
               <a:rPr lang="zh-CN" altLang="en-US" smtClean="0"/>
               <a:t>2024/3/10</a:t>
             </a:fld>
@@ -1821,7 +1821,7 @@
           <p:cNvPr id="8" name="页脚占位符 7">
             <a:extLst>
               <a:ext uri="{FF2B5EF4-FFF2-40B4-BE49-F238E27FC236}">
-                <a16:creationId xmlns:a16="http://schemas.microsoft.com/office/drawing/2014/main" id="{875AD9E8-F713-E87C-12B6-205B09B5EBC1}"/>
+                <a16:creationId xmlns:a16="http://schemas.microsoft.com/office/drawing/2014/main" id="{E19B3AE9-1433-E61E-76BE-9A2E11D52217}"/>
               </a:ext>
             </a:extLst>
           </p:cNvPr>
@@ -1846,7 +1846,7 @@
           <p:cNvPr id="9" name="灯片编号占位符 8">
             <a:extLst>
               <a:ext uri="{FF2B5EF4-FFF2-40B4-BE49-F238E27FC236}">
-                <a16:creationId xmlns:a16="http://schemas.microsoft.com/office/drawing/2014/main" id="{1A8115C9-CF9E-9A1F-7071-459B4A1C8C85}"/>
+                <a16:creationId xmlns:a16="http://schemas.microsoft.com/office/drawing/2014/main" id="{34453F41-67E6-8520-1216-671502281C43}"/>
               </a:ext>
             </a:extLst>
           </p:cNvPr>
@@ -1862,7 +1862,7 @@
           <a:bodyPr/>
           <a:lstStyle/>
           <a:p>
-            <a:fld id="{49DFE1AB-B61C-4953-A478-2889C146B5F3}" type="slidenum">
+            <a:fld id="{21D8F65F-3455-4BC8-8C43-DAA58DC40663}" type="slidenum">
               <a:rPr lang="zh-CN" altLang="en-US" smtClean="0"/>
               <a:t>‹#›</a:t>
             </a:fld>
@@ -1873,7 +1873,7 @@
     </p:spTree>
     <p:extLst>
       <p:ext uri="{BB962C8B-B14F-4D97-AF65-F5344CB8AC3E}">
-        <p14:creationId xmlns:p14="http://schemas.microsoft.com/office/powerpoint/2010/main" val="2725634670"/>
+        <p14:creationId xmlns:p14="http://schemas.microsoft.com/office/powerpoint/2010/main" val="502113865"/>
       </p:ext>
     </p:extLst>
   </p:cSld>
@@ -1905,7 +1905,7 @@
           <p:cNvPr id="2" name="标题 1">
             <a:extLst>
               <a:ext uri="{FF2B5EF4-FFF2-40B4-BE49-F238E27FC236}">
-                <a16:creationId xmlns:a16="http://schemas.microsoft.com/office/drawing/2014/main" id="{3F54840C-C473-E1BB-8BB8-A39AB23EAAAC}"/>
+                <a16:creationId xmlns:a16="http://schemas.microsoft.com/office/drawing/2014/main" id="{C3864197-1131-DC44-3DFB-FFEA0C40A5B5}"/>
               </a:ext>
             </a:extLst>
           </p:cNvPr>
@@ -1933,7 +1933,7 @@
           <p:cNvPr id="3" name="日期占位符 2">
             <a:extLst>
               <a:ext uri="{FF2B5EF4-FFF2-40B4-BE49-F238E27FC236}">
-                <a16:creationId xmlns:a16="http://schemas.microsoft.com/office/drawing/2014/main" id="{55B091DF-8E7F-BB27-C6E5-6B028AD5B904}"/>
+                <a16:creationId xmlns:a16="http://schemas.microsoft.com/office/drawing/2014/main" id="{7E922A81-884C-3B6F-5286-A74A8AE2C12D}"/>
               </a:ext>
             </a:extLst>
           </p:cNvPr>
@@ -1949,7 +1949,7 @@
           <a:bodyPr/>
           <a:lstStyle/>
           <a:p>
-            <a:fld id="{FB81E86A-4B88-4F4A-AC20-CE9FFE70E8EF}" type="datetimeFigureOut">
+            <a:fld id="{FFB90FF1-EF0C-4E1A-9C94-E356EF8F5D9D}" type="datetimeFigureOut">
               <a:rPr lang="zh-CN" altLang="en-US" smtClean="0"/>
               <a:t>2024/3/10</a:t>
             </a:fld>
@@ -1962,7 +1962,7 @@
           <p:cNvPr id="4" name="页脚占位符 3">
             <a:extLst>
               <a:ext uri="{FF2B5EF4-FFF2-40B4-BE49-F238E27FC236}">
-                <a16:creationId xmlns:a16="http://schemas.microsoft.com/office/drawing/2014/main" id="{95CAE8CD-C8A1-783C-B0ED-03BA0823E9FB}"/>
+                <a16:creationId xmlns:a16="http://schemas.microsoft.com/office/drawing/2014/main" id="{1734AD0A-9020-248F-E2F3-B8EDF87EC9A9}"/>
               </a:ext>
             </a:extLst>
           </p:cNvPr>
@@ -1987,7 +1987,7 @@
           <p:cNvPr id="5" name="灯片编号占位符 4">
             <a:extLst>
               <a:ext uri="{FF2B5EF4-FFF2-40B4-BE49-F238E27FC236}">
-                <a16:creationId xmlns:a16="http://schemas.microsoft.com/office/drawing/2014/main" id="{14519F9A-085D-4BC6-027B-1C9829B7F5E0}"/>
+                <a16:creationId xmlns:a16="http://schemas.microsoft.com/office/drawing/2014/main" id="{B0DBE227-EC57-FE6C-1CC7-4A991D5EB96B}"/>
               </a:ext>
             </a:extLst>
           </p:cNvPr>
@@ -2003,7 +2003,7 @@
           <a:bodyPr/>
           <a:lstStyle/>
           <a:p>
-            <a:fld id="{49DFE1AB-B61C-4953-A478-2889C146B5F3}" type="slidenum">
+            <a:fld id="{21D8F65F-3455-4BC8-8C43-DAA58DC40663}" type="slidenum">
               <a:rPr lang="zh-CN" altLang="en-US" smtClean="0"/>
               <a:t>‹#›</a:t>
             </a:fld>
@@ -2014,7 +2014,7 @@
     </p:spTree>
     <p:extLst>
       <p:ext uri="{BB962C8B-B14F-4D97-AF65-F5344CB8AC3E}">
-        <p14:creationId xmlns:p14="http://schemas.microsoft.com/office/powerpoint/2010/main" val="2108234961"/>
+        <p14:creationId xmlns:p14="http://schemas.microsoft.com/office/powerpoint/2010/main" val="4003733812"/>
       </p:ext>
     </p:extLst>
   </p:cSld>
@@ -2046,7 +2046,7 @@
           <p:cNvPr id="2" name="日期占位符 1">
             <a:extLst>
               <a:ext uri="{FF2B5EF4-FFF2-40B4-BE49-F238E27FC236}">
-                <a16:creationId xmlns:a16="http://schemas.microsoft.com/office/drawing/2014/main" id="{26A1CB00-5B8E-B437-0C83-ECF4E33C80A7}"/>
+                <a16:creationId xmlns:a16="http://schemas.microsoft.com/office/drawing/2014/main" id="{CB260D2F-0778-2E29-66E7-A87B35825119}"/>
               </a:ext>
             </a:extLst>
           </p:cNvPr>
@@ -2062,7 +2062,7 @@
           <a:bodyPr/>
           <a:lstStyle/>
           <a:p>
-            <a:fld id="{FB81E86A-4B88-4F4A-AC20-CE9FFE70E8EF}" type="datetimeFigureOut">
+            <a:fld id="{FFB90FF1-EF0C-4E1A-9C94-E356EF8F5D9D}" type="datetimeFigureOut">
               <a:rPr lang="zh-CN" altLang="en-US" smtClean="0"/>
               <a:t>2024/3/10</a:t>
             </a:fld>
@@ -2075,7 +2075,7 @@
           <p:cNvPr id="3" name="页脚占位符 2">
             <a:extLst>
               <a:ext uri="{FF2B5EF4-FFF2-40B4-BE49-F238E27FC236}">
-                <a16:creationId xmlns:a16="http://schemas.microsoft.com/office/drawing/2014/main" id="{A48F4534-9D54-2D2A-477C-5EE419655C1B}"/>
+                <a16:creationId xmlns:a16="http://schemas.microsoft.com/office/drawing/2014/main" id="{13061E2E-6E93-3476-27AE-6104D89C0E00}"/>
               </a:ext>
             </a:extLst>
           </p:cNvPr>
@@ -2100,7 +2100,7 @@
           <p:cNvPr id="4" name="灯片编号占位符 3">
             <a:extLst>
               <a:ext uri="{FF2B5EF4-FFF2-40B4-BE49-F238E27FC236}">
-                <a16:creationId xmlns:a16="http://schemas.microsoft.com/office/drawing/2014/main" id="{BC2F1B2F-FC77-2437-BF7A-E784455C1C56}"/>
+                <a16:creationId xmlns:a16="http://schemas.microsoft.com/office/drawing/2014/main" id="{9BD1915E-F71A-8BEC-8935-0C58075034A4}"/>
               </a:ext>
             </a:extLst>
           </p:cNvPr>
@@ -2116,7 +2116,7 @@
           <a:bodyPr/>
           <a:lstStyle/>
           <a:p>
-            <a:fld id="{49DFE1AB-B61C-4953-A478-2889C146B5F3}" type="slidenum">
+            <a:fld id="{21D8F65F-3455-4BC8-8C43-DAA58DC40663}" type="slidenum">
               <a:rPr lang="zh-CN" altLang="en-US" smtClean="0"/>
               <a:t>‹#›</a:t>
             </a:fld>
@@ -2127,7 +2127,7 @@
     </p:spTree>
     <p:extLst>
       <p:ext uri="{BB962C8B-B14F-4D97-AF65-F5344CB8AC3E}">
-        <p14:creationId xmlns:p14="http://schemas.microsoft.com/office/powerpoint/2010/main" val="1198616085"/>
+        <p14:creationId xmlns:p14="http://schemas.microsoft.com/office/powerpoint/2010/main" val="273063440"/>
       </p:ext>
     </p:extLst>
   </p:cSld>
@@ -2159,7 +2159,7 @@
           <p:cNvPr id="2" name="标题 1">
             <a:extLst>
               <a:ext uri="{FF2B5EF4-FFF2-40B4-BE49-F238E27FC236}">
-                <a16:creationId xmlns:a16="http://schemas.microsoft.com/office/drawing/2014/main" id="{46409BC1-E2B2-1E6F-5353-C6ACE8835807}"/>
+                <a16:creationId xmlns:a16="http://schemas.microsoft.com/office/drawing/2014/main" id="{8D0D3229-794A-0839-7D95-DA3B7A5E93E9}"/>
               </a:ext>
             </a:extLst>
           </p:cNvPr>
@@ -2196,7 +2196,7 @@
           <p:cNvPr id="3" name="内容占位符 2">
             <a:extLst>
               <a:ext uri="{FF2B5EF4-FFF2-40B4-BE49-F238E27FC236}">
-                <a16:creationId xmlns:a16="http://schemas.microsoft.com/office/drawing/2014/main" id="{D4C9473F-ED30-8417-DE34-1CE5BF3F021D}"/>
+                <a16:creationId xmlns:a16="http://schemas.microsoft.com/office/drawing/2014/main" id="{DAF76DE2-3D67-8C25-8FC4-CCB6110EB148}"/>
               </a:ext>
             </a:extLst>
           </p:cNvPr>
@@ -2286,7 +2286,7 @@
           <p:cNvPr id="4" name="文本占位符 3">
             <a:extLst>
               <a:ext uri="{FF2B5EF4-FFF2-40B4-BE49-F238E27FC236}">
-                <a16:creationId xmlns:a16="http://schemas.microsoft.com/office/drawing/2014/main" id="{7B12EC92-8DCE-53F9-D546-C83A9C8FB8D4}"/>
+                <a16:creationId xmlns:a16="http://schemas.microsoft.com/office/drawing/2014/main" id="{F7FD5AF9-96BE-2B7B-7CF0-79501D13AC1E}"/>
               </a:ext>
             </a:extLst>
           </p:cNvPr>
@@ -2357,7 +2357,7 @@
           <p:cNvPr id="5" name="日期占位符 4">
             <a:extLst>
               <a:ext uri="{FF2B5EF4-FFF2-40B4-BE49-F238E27FC236}">
-                <a16:creationId xmlns:a16="http://schemas.microsoft.com/office/drawing/2014/main" id="{18A1611A-F3D5-E087-5C11-A5D9913E7F54}"/>
+                <a16:creationId xmlns:a16="http://schemas.microsoft.com/office/drawing/2014/main" id="{02607F6C-F6A9-424E-06F3-3AB3FC836736}"/>
               </a:ext>
             </a:extLst>
           </p:cNvPr>
@@ -2373,7 +2373,7 @@
           <a:bodyPr/>
           <a:lstStyle/>
           <a:p>
-            <a:fld id="{FB81E86A-4B88-4F4A-AC20-CE9FFE70E8EF}" type="datetimeFigureOut">
+            <a:fld id="{FFB90FF1-EF0C-4E1A-9C94-E356EF8F5D9D}" type="datetimeFigureOut">
               <a:rPr lang="zh-CN" altLang="en-US" smtClean="0"/>
               <a:t>2024/3/10</a:t>
             </a:fld>
@@ -2386,7 +2386,7 @@
           <p:cNvPr id="6" name="页脚占位符 5">
             <a:extLst>
               <a:ext uri="{FF2B5EF4-FFF2-40B4-BE49-F238E27FC236}">
-                <a16:creationId xmlns:a16="http://schemas.microsoft.com/office/drawing/2014/main" id="{BE42B5BF-7D7D-2529-9632-B35735362F9E}"/>
+                <a16:creationId xmlns:a16="http://schemas.microsoft.com/office/drawing/2014/main" id="{282E30CC-7896-BAB6-3AC2-7CE5C77A77B4}"/>
               </a:ext>
             </a:extLst>
           </p:cNvPr>
@@ -2411,7 +2411,7 @@
           <p:cNvPr id="7" name="灯片编号占位符 6">
             <a:extLst>
               <a:ext uri="{FF2B5EF4-FFF2-40B4-BE49-F238E27FC236}">
-                <a16:creationId xmlns:a16="http://schemas.microsoft.com/office/drawing/2014/main" id="{F93A9AEA-6B82-0985-51A0-6EAE2962E652}"/>
+                <a16:creationId xmlns:a16="http://schemas.microsoft.com/office/drawing/2014/main" id="{6BEF16CF-4BE9-0ED9-4CFF-38873CF7E834}"/>
               </a:ext>
             </a:extLst>
           </p:cNvPr>
@@ -2427,7 +2427,7 @@
           <a:bodyPr/>
           <a:lstStyle/>
           <a:p>
-            <a:fld id="{49DFE1AB-B61C-4953-A478-2889C146B5F3}" type="slidenum">
+            <a:fld id="{21D8F65F-3455-4BC8-8C43-DAA58DC40663}" type="slidenum">
               <a:rPr lang="zh-CN" altLang="en-US" smtClean="0"/>
               <a:t>‹#›</a:t>
             </a:fld>
@@ -2438,7 +2438,7 @@
     </p:spTree>
     <p:extLst>
       <p:ext uri="{BB962C8B-B14F-4D97-AF65-F5344CB8AC3E}">
-        <p14:creationId xmlns:p14="http://schemas.microsoft.com/office/powerpoint/2010/main" val="2404005979"/>
+        <p14:creationId xmlns:p14="http://schemas.microsoft.com/office/powerpoint/2010/main" val="1998375060"/>
       </p:ext>
     </p:extLst>
   </p:cSld>
@@ -2470,7 +2470,7 @@
           <p:cNvPr id="2" name="标题 1">
             <a:extLst>
               <a:ext uri="{FF2B5EF4-FFF2-40B4-BE49-F238E27FC236}">
-                <a16:creationId xmlns:a16="http://schemas.microsoft.com/office/drawing/2014/main" id="{919CF6E7-87E2-6031-12E2-316CA71987F7}"/>
+                <a16:creationId xmlns:a16="http://schemas.microsoft.com/office/drawing/2014/main" id="{F5A3CFC3-7B1C-303F-2B6A-744B939FF9A8}"/>
               </a:ext>
             </a:extLst>
           </p:cNvPr>
@@ -2507,7 +2507,7 @@
           <p:cNvPr id="3" name="图片占位符 2">
             <a:extLst>
               <a:ext uri="{FF2B5EF4-FFF2-40B4-BE49-F238E27FC236}">
-                <a16:creationId xmlns:a16="http://schemas.microsoft.com/office/drawing/2014/main" id="{1552F2B0-7CEE-5649-1A3B-18F939EE3AC3}"/>
+                <a16:creationId xmlns:a16="http://schemas.microsoft.com/office/drawing/2014/main" id="{4F7742FB-9C79-F693-A3B5-F2E7930E4EF6}"/>
               </a:ext>
             </a:extLst>
           </p:cNvPr>
@@ -2574,7 +2574,7 @@
           <p:cNvPr id="4" name="文本占位符 3">
             <a:extLst>
               <a:ext uri="{FF2B5EF4-FFF2-40B4-BE49-F238E27FC236}">
-                <a16:creationId xmlns:a16="http://schemas.microsoft.com/office/drawing/2014/main" id="{C7CE11C3-7736-8B9B-D1B0-425CAAD25415}"/>
+                <a16:creationId xmlns:a16="http://schemas.microsoft.com/office/drawing/2014/main" id="{95229979-6A35-C551-E9E8-4D1B1C3A158E}"/>
               </a:ext>
             </a:extLst>
           </p:cNvPr>
@@ -2645,7 +2645,7 @@
           <p:cNvPr id="5" name="日期占位符 4">
             <a:extLst>
               <a:ext uri="{FF2B5EF4-FFF2-40B4-BE49-F238E27FC236}">
-                <a16:creationId xmlns:a16="http://schemas.microsoft.com/office/drawing/2014/main" id="{607E0657-F0AC-E9BE-FFB1-ED4F11917F2E}"/>
+                <a16:creationId xmlns:a16="http://schemas.microsoft.com/office/drawing/2014/main" id="{9BC71998-4BA1-40C5-8738-167708A7FF60}"/>
               </a:ext>
             </a:extLst>
           </p:cNvPr>
@@ -2661,7 +2661,7 @@
           <a:bodyPr/>
           <a:lstStyle/>
           <a:p>
-            <a:fld id="{FB81E86A-4B88-4F4A-AC20-CE9FFE70E8EF}" type="datetimeFigureOut">
+            <a:fld id="{FFB90FF1-EF0C-4E1A-9C94-E356EF8F5D9D}" type="datetimeFigureOut">
               <a:rPr lang="zh-CN" altLang="en-US" smtClean="0"/>
               <a:t>2024/3/10</a:t>
             </a:fld>
@@ -2674,7 +2674,7 @@
           <p:cNvPr id="6" name="页脚占位符 5">
             <a:extLst>
               <a:ext uri="{FF2B5EF4-FFF2-40B4-BE49-F238E27FC236}">
-                <a16:creationId xmlns:a16="http://schemas.microsoft.com/office/drawing/2014/main" id="{FF69B816-0B7F-2401-2AC3-1757595A26E0}"/>
+                <a16:creationId xmlns:a16="http://schemas.microsoft.com/office/drawing/2014/main" id="{B8BF7914-954F-9FCA-295E-6628D4582833}"/>
               </a:ext>
             </a:extLst>
           </p:cNvPr>
@@ -2699,7 +2699,7 @@
           <p:cNvPr id="7" name="灯片编号占位符 6">
             <a:extLst>
               <a:ext uri="{FF2B5EF4-FFF2-40B4-BE49-F238E27FC236}">
-                <a16:creationId xmlns:a16="http://schemas.microsoft.com/office/drawing/2014/main" id="{74B571AC-33C7-AE14-F5F0-AC6F5DBFA7E3}"/>
+                <a16:creationId xmlns:a16="http://schemas.microsoft.com/office/drawing/2014/main" id="{5CC34D57-C344-347C-4C92-CF782573217C}"/>
               </a:ext>
             </a:extLst>
           </p:cNvPr>
@@ -2715,7 +2715,7 @@
           <a:bodyPr/>
           <a:lstStyle/>
           <a:p>
-            <a:fld id="{49DFE1AB-B61C-4953-A478-2889C146B5F3}" type="slidenum">
+            <a:fld id="{21D8F65F-3455-4BC8-8C43-DAA58DC40663}" type="slidenum">
               <a:rPr lang="zh-CN" altLang="en-US" smtClean="0"/>
               <a:t>‹#›</a:t>
             </a:fld>
@@ -2726,7 +2726,7 @@
     </p:spTree>
     <p:extLst>
       <p:ext uri="{BB962C8B-B14F-4D97-AF65-F5344CB8AC3E}">
-        <p14:creationId xmlns:p14="http://schemas.microsoft.com/office/powerpoint/2010/main" val="406207193"/>
+        <p14:creationId xmlns:p14="http://schemas.microsoft.com/office/powerpoint/2010/main" val="2530359944"/>
       </p:ext>
     </p:extLst>
   </p:cSld>
@@ -2763,7 +2763,7 @@
           <p:cNvPr id="2" name="标题占位符 1">
             <a:extLst>
               <a:ext uri="{FF2B5EF4-FFF2-40B4-BE49-F238E27FC236}">
-                <a16:creationId xmlns:a16="http://schemas.microsoft.com/office/drawing/2014/main" id="{94D46E06-F167-5CF3-8EBA-C315E80FEA8B}"/>
+                <a16:creationId xmlns:a16="http://schemas.microsoft.com/office/drawing/2014/main" id="{566E56E9-830B-844C-1687-48316B8509F8}"/>
               </a:ext>
             </a:extLst>
           </p:cNvPr>
@@ -2801,7 +2801,7 @@
           <p:cNvPr id="3" name="文本占位符 2">
             <a:extLst>
               <a:ext uri="{FF2B5EF4-FFF2-40B4-BE49-F238E27FC236}">
-                <a16:creationId xmlns:a16="http://schemas.microsoft.com/office/drawing/2014/main" id="{27ABD22A-A548-C948-B939-02A6D47E5A28}"/>
+                <a16:creationId xmlns:a16="http://schemas.microsoft.com/office/drawing/2014/main" id="{3239DCBB-2217-FD48-0D74-48BCA85365C3}"/>
               </a:ext>
             </a:extLst>
           </p:cNvPr>
@@ -2868,7 +2868,7 @@
           <p:cNvPr id="4" name="日期占位符 3">
             <a:extLst>
               <a:ext uri="{FF2B5EF4-FFF2-40B4-BE49-F238E27FC236}">
-                <a16:creationId xmlns:a16="http://schemas.microsoft.com/office/drawing/2014/main" id="{61FEA29E-5E6F-3D08-045C-0F0F79186A99}"/>
+                <a16:creationId xmlns:a16="http://schemas.microsoft.com/office/drawing/2014/main" id="{CD0DE9BC-2841-01D9-292B-0AC40A9BE0E4}"/>
               </a:ext>
             </a:extLst>
           </p:cNvPr>
@@ -2902,7 +2902,7 @@
             </a:lvl1pPr>
           </a:lstStyle>
           <a:p>
-            <a:fld id="{FB81E86A-4B88-4F4A-AC20-CE9FFE70E8EF}" type="datetimeFigureOut">
+            <a:fld id="{FFB90FF1-EF0C-4E1A-9C94-E356EF8F5D9D}" type="datetimeFigureOut">
               <a:rPr lang="zh-CN" altLang="en-US" smtClean="0"/>
               <a:t>2024/3/10</a:t>
             </a:fld>
@@ -2915,7 +2915,7 @@
           <p:cNvPr id="5" name="页脚占位符 4">
             <a:extLst>
               <a:ext uri="{FF2B5EF4-FFF2-40B4-BE49-F238E27FC236}">
-                <a16:creationId xmlns:a16="http://schemas.microsoft.com/office/drawing/2014/main" id="{5F9F4F8F-013B-69A0-FE92-2C341FB0CA71}"/>
+                <a16:creationId xmlns:a16="http://schemas.microsoft.com/office/drawing/2014/main" id="{7CB1D031-B7A1-4121-01E7-047E32E484A1}"/>
               </a:ext>
             </a:extLst>
           </p:cNvPr>
@@ -2958,7 +2958,7 @@
           <p:cNvPr id="6" name="灯片编号占位符 5">
             <a:extLst>
               <a:ext uri="{FF2B5EF4-FFF2-40B4-BE49-F238E27FC236}">
-                <a16:creationId xmlns:a16="http://schemas.microsoft.com/office/drawing/2014/main" id="{5A84870E-ED5E-7CF4-D2C7-4DB8177CEE9D}"/>
+                <a16:creationId xmlns:a16="http://schemas.microsoft.com/office/drawing/2014/main" id="{66D9C321-D33C-8DBC-1027-09669E867624}"/>
               </a:ext>
             </a:extLst>
           </p:cNvPr>
@@ -2992,7 +2992,7 @@
             </a:lvl1pPr>
           </a:lstStyle>
           <a:p>
-            <a:fld id="{49DFE1AB-B61C-4953-A478-2889C146B5F3}" type="slidenum">
+            <a:fld id="{21D8F65F-3455-4BC8-8C43-DAA58DC40663}" type="slidenum">
               <a:rPr lang="zh-CN" altLang="en-US" smtClean="0"/>
               <a:t>‹#›</a:t>
             </a:fld>
@@ -3003,7 +3003,7 @@
     </p:spTree>
     <p:extLst>
       <p:ext uri="{BB962C8B-B14F-4D97-AF65-F5344CB8AC3E}">
-        <p14:creationId xmlns:p14="http://schemas.microsoft.com/office/powerpoint/2010/main" val="560671577"/>
+        <p14:creationId xmlns:p14="http://schemas.microsoft.com/office/powerpoint/2010/main" val="1688338571"/>
       </p:ext>
     </p:extLst>
   </p:cSld>
@@ -3323,7 +3323,7 @@
       </p:grpSpPr>
       <p:pic>
         <p:nvPicPr>
-          <p:cNvPr id="266242" name="Picture 2" descr="259"/>
+          <p:cNvPr id="267266" name="Picture 2" descr="260"/>
           <p:cNvPicPr>
             <a:picLocks noChangeAspect="1" noChangeArrowheads="1"/>
           </p:cNvPicPr>
@@ -3345,7 +3345,7 @@
         <p:spPr bwMode="auto">
           <a:xfrm>
             <a:off x="1524000" y="0"/>
-            <a:ext cx="9144000" cy="6858000"/>
+            <a:ext cx="9144000" cy="6859588"/>
           </a:xfrm>
           <a:prstGeom prst="rect">
             <a:avLst/>
@@ -3377,7 +3377,7 @@
       </p:pic>
       <p:pic>
         <p:nvPicPr>
-          <p:cNvPr id="267267" name="Picture 3" descr="259-2"/>
+          <p:cNvPr id="268291" name="Picture 3" descr="260-2"/>
           <p:cNvPicPr>
             <a:picLocks noChangeAspect="1" noChangeArrowheads="1"/>
           </p:cNvPicPr>
@@ -3398,7 +3398,7 @@
         </p:blipFill>
         <p:spPr bwMode="auto">
           <a:xfrm>
-            <a:off x="1560513" y="0"/>
+            <a:off x="1524000" y="0"/>
             <a:ext cx="9144000" cy="6858000"/>
           </a:xfrm>
           <a:prstGeom prst="rect">
@@ -3478,7 +3478,7 @@
                                           </p:stCondLst>
                                         </p:cTn>
                                         <p:tgtEl>
-                                          <p:spTgt spid="267267"/>
+                                          <p:spTgt spid="268291"/>
                                         </p:tgtEl>
                                         <p:attrNameLst>
                                           <p:attrName>style.visibility</p:attrName>
@@ -3492,7 +3492,7 @@
                                       <p:cBhvr>
                                         <p:cTn id="7" dur="500"/>
                                         <p:tgtEl>
-                                          <p:spTgt spid="267267"/>
+                                          <p:spTgt spid="268291"/>
                                         </p:tgtEl>
                                       </p:cBhvr>
                                     </p:animEffect>
